--- a/Presentation/PortAlchemyAdditions.pptx
+++ b/Presentation/PortAlchemyAdditions.pptx
@@ -7,6 +7,7 @@
   <p:sldIdLst>
     <p:sldId id="256" r:id="rId2"/>
     <p:sldId id="257" r:id="rId3"/>
+    <p:sldId id="258" r:id="rId4"/>
   </p:sldIdLst>
   <p:sldSz cx="12192000" cy="6858000"/>
   <p:notesSz cx="6858000" cy="9144000"/>
@@ -130,7 +131,7 @@
           <p:cNvPr id="2" name="Title 1">
             <a:extLst>
               <a:ext uri="{FF2B5EF4-FFF2-40B4-BE49-F238E27FC236}">
-                <a16:creationId xmlns:a16="http://schemas.microsoft.com/office/drawing/2014/main" id="{DE4E7DD3-2282-14BC-9198-38DFD3B9332A}"/>
+                <a16:creationId xmlns:a16="http://schemas.microsoft.com/office/drawing/2014/main" id="{13F623CE-5D8B-B2D6-7C46-8CE8215AECB3}"/>
               </a:ext>
             </a:extLst>
           </p:cNvPr>
@@ -167,7 +168,7 @@
           <p:cNvPr id="3" name="Subtitle 2">
             <a:extLst>
               <a:ext uri="{FF2B5EF4-FFF2-40B4-BE49-F238E27FC236}">
-                <a16:creationId xmlns:a16="http://schemas.microsoft.com/office/drawing/2014/main" id="{B89D6FBD-DA5F-A965-8DC1-B5BCE5C73FFD}"/>
+                <a16:creationId xmlns:a16="http://schemas.microsoft.com/office/drawing/2014/main" id="{9036011D-0566-51A3-D693-EDAF0FF94698}"/>
               </a:ext>
             </a:extLst>
           </p:cNvPr>
@@ -237,7 +238,7 @@
           <p:cNvPr id="4" name="Date Placeholder 3">
             <a:extLst>
               <a:ext uri="{FF2B5EF4-FFF2-40B4-BE49-F238E27FC236}">
-                <a16:creationId xmlns:a16="http://schemas.microsoft.com/office/drawing/2014/main" id="{9BE147CA-E5E5-55A9-5DE2-D09679658EAB}"/>
+                <a16:creationId xmlns:a16="http://schemas.microsoft.com/office/drawing/2014/main" id="{A217F2F0-0C35-93E9-3DBD-14073C0682A1}"/>
               </a:ext>
             </a:extLst>
           </p:cNvPr>
@@ -253,7 +254,7 @@
           <a:bodyPr/>
           <a:lstStyle/>
           <a:p>
-            <a:fld id="{BEAAFD63-98B8-4A21-AC0B-6202FDD2335C}" type="datetimeFigureOut">
+            <a:fld id="{4EEA0DD3-BFE8-4A66-928D-8B4D323E378B}" type="datetimeFigureOut">
               <a:rPr lang="en-US" smtClean="0"/>
               <a:t>10/6/2025</a:t>
             </a:fld>
@@ -266,7 +267,7 @@
           <p:cNvPr id="5" name="Footer Placeholder 4">
             <a:extLst>
               <a:ext uri="{FF2B5EF4-FFF2-40B4-BE49-F238E27FC236}">
-                <a16:creationId xmlns:a16="http://schemas.microsoft.com/office/drawing/2014/main" id="{56A39F6F-EAA3-08E5-DED8-BB08D2E6B090}"/>
+                <a16:creationId xmlns:a16="http://schemas.microsoft.com/office/drawing/2014/main" id="{8C8AAAF8-B0DB-2F65-C715-21769F42E22B}"/>
               </a:ext>
             </a:extLst>
           </p:cNvPr>
@@ -291,7 +292,7 @@
           <p:cNvPr id="6" name="Slide Number Placeholder 5">
             <a:extLst>
               <a:ext uri="{FF2B5EF4-FFF2-40B4-BE49-F238E27FC236}">
-                <a16:creationId xmlns:a16="http://schemas.microsoft.com/office/drawing/2014/main" id="{FD2BFB13-0264-D8A7-4176-432A8F9478A2}"/>
+                <a16:creationId xmlns:a16="http://schemas.microsoft.com/office/drawing/2014/main" id="{5AA21035-A1A6-D429-C551-6CD342C39936}"/>
               </a:ext>
             </a:extLst>
           </p:cNvPr>
@@ -307,7 +308,7 @@
           <a:bodyPr/>
           <a:lstStyle/>
           <a:p>
-            <a:fld id="{CBC7C889-4C7F-4126-BC36-D932DBC812D2}" type="slidenum">
+            <a:fld id="{FC7BA01A-4CAB-4636-8214-5BE75C6BECE6}" type="slidenum">
               <a:rPr lang="en-US" smtClean="0"/>
               <a:t>‹#›</a:t>
             </a:fld>
@@ -318,7 +319,7 @@
     </p:spTree>
     <p:extLst>
       <p:ext uri="{BB962C8B-B14F-4D97-AF65-F5344CB8AC3E}">
-        <p14:creationId xmlns:p14="http://schemas.microsoft.com/office/powerpoint/2010/main" val="1093976668"/>
+        <p14:creationId xmlns:p14="http://schemas.microsoft.com/office/powerpoint/2010/main" val="457323255"/>
       </p:ext>
     </p:extLst>
   </p:cSld>
@@ -350,7 +351,7 @@
           <p:cNvPr id="2" name="Title 1">
             <a:extLst>
               <a:ext uri="{FF2B5EF4-FFF2-40B4-BE49-F238E27FC236}">
-                <a16:creationId xmlns:a16="http://schemas.microsoft.com/office/drawing/2014/main" id="{8FD3CE87-18A3-02D3-2194-CE9AF3F54640}"/>
+                <a16:creationId xmlns:a16="http://schemas.microsoft.com/office/drawing/2014/main" id="{688F8288-F66C-28DB-E256-64522B0792D1}"/>
               </a:ext>
             </a:extLst>
           </p:cNvPr>
@@ -378,7 +379,7 @@
           <p:cNvPr id="3" name="Vertical Text Placeholder 2">
             <a:extLst>
               <a:ext uri="{FF2B5EF4-FFF2-40B4-BE49-F238E27FC236}">
-                <a16:creationId xmlns:a16="http://schemas.microsoft.com/office/drawing/2014/main" id="{CAB96C7D-60DF-83F0-742D-18068F9321D7}"/>
+                <a16:creationId xmlns:a16="http://schemas.microsoft.com/office/drawing/2014/main" id="{C80DA845-4E9C-006F-DF3C-1569F39637B5}"/>
               </a:ext>
             </a:extLst>
           </p:cNvPr>
@@ -435,7 +436,7 @@
           <p:cNvPr id="4" name="Date Placeholder 3">
             <a:extLst>
               <a:ext uri="{FF2B5EF4-FFF2-40B4-BE49-F238E27FC236}">
-                <a16:creationId xmlns:a16="http://schemas.microsoft.com/office/drawing/2014/main" id="{A7E448C3-F881-409A-5EE2-C368CB60EE5B}"/>
+                <a16:creationId xmlns:a16="http://schemas.microsoft.com/office/drawing/2014/main" id="{7DBD1602-480E-8DF1-29F8-E69B087AD608}"/>
               </a:ext>
             </a:extLst>
           </p:cNvPr>
@@ -451,7 +452,7 @@
           <a:bodyPr/>
           <a:lstStyle/>
           <a:p>
-            <a:fld id="{BEAAFD63-98B8-4A21-AC0B-6202FDD2335C}" type="datetimeFigureOut">
+            <a:fld id="{4EEA0DD3-BFE8-4A66-928D-8B4D323E378B}" type="datetimeFigureOut">
               <a:rPr lang="en-US" smtClean="0"/>
               <a:t>10/6/2025</a:t>
             </a:fld>
@@ -464,7 +465,7 @@
           <p:cNvPr id="5" name="Footer Placeholder 4">
             <a:extLst>
               <a:ext uri="{FF2B5EF4-FFF2-40B4-BE49-F238E27FC236}">
-                <a16:creationId xmlns:a16="http://schemas.microsoft.com/office/drawing/2014/main" id="{4C63C465-90D8-1CCF-F25C-30A2EE80AF19}"/>
+                <a16:creationId xmlns:a16="http://schemas.microsoft.com/office/drawing/2014/main" id="{2E4855A5-E6B8-78D0-C1CA-2479715312B9}"/>
               </a:ext>
             </a:extLst>
           </p:cNvPr>
@@ -489,7 +490,7 @@
           <p:cNvPr id="6" name="Slide Number Placeholder 5">
             <a:extLst>
               <a:ext uri="{FF2B5EF4-FFF2-40B4-BE49-F238E27FC236}">
-                <a16:creationId xmlns:a16="http://schemas.microsoft.com/office/drawing/2014/main" id="{F891B345-CE89-6FDF-F068-C429F0F474F6}"/>
+                <a16:creationId xmlns:a16="http://schemas.microsoft.com/office/drawing/2014/main" id="{0204DFC2-759C-00F3-FE0C-26450DFE12EB}"/>
               </a:ext>
             </a:extLst>
           </p:cNvPr>
@@ -505,7 +506,7 @@
           <a:bodyPr/>
           <a:lstStyle/>
           <a:p>
-            <a:fld id="{CBC7C889-4C7F-4126-BC36-D932DBC812D2}" type="slidenum">
+            <a:fld id="{FC7BA01A-4CAB-4636-8214-5BE75C6BECE6}" type="slidenum">
               <a:rPr lang="en-US" smtClean="0"/>
               <a:t>‹#›</a:t>
             </a:fld>
@@ -516,7 +517,7 @@
     </p:spTree>
     <p:extLst>
       <p:ext uri="{BB962C8B-B14F-4D97-AF65-F5344CB8AC3E}">
-        <p14:creationId xmlns:p14="http://schemas.microsoft.com/office/powerpoint/2010/main" val="1722059826"/>
+        <p14:creationId xmlns:p14="http://schemas.microsoft.com/office/powerpoint/2010/main" val="2176305612"/>
       </p:ext>
     </p:extLst>
   </p:cSld>
@@ -548,7 +549,7 @@
           <p:cNvPr id="2" name="Vertical Title 1">
             <a:extLst>
               <a:ext uri="{FF2B5EF4-FFF2-40B4-BE49-F238E27FC236}">
-                <a16:creationId xmlns:a16="http://schemas.microsoft.com/office/drawing/2014/main" id="{C6463C5B-22F1-013E-D59C-A2504D718B66}"/>
+                <a16:creationId xmlns:a16="http://schemas.microsoft.com/office/drawing/2014/main" id="{7152C42B-4D12-354E-7672-C90DB49F164F}"/>
               </a:ext>
             </a:extLst>
           </p:cNvPr>
@@ -581,7 +582,7 @@
           <p:cNvPr id="3" name="Vertical Text Placeholder 2">
             <a:extLst>
               <a:ext uri="{FF2B5EF4-FFF2-40B4-BE49-F238E27FC236}">
-                <a16:creationId xmlns:a16="http://schemas.microsoft.com/office/drawing/2014/main" id="{76395B79-1D1B-6958-C0FD-601276172CE4}"/>
+                <a16:creationId xmlns:a16="http://schemas.microsoft.com/office/drawing/2014/main" id="{6AEA94C7-3EC0-E9B3-9B98-D464D9279737}"/>
               </a:ext>
             </a:extLst>
           </p:cNvPr>
@@ -643,7 +644,7 @@
           <p:cNvPr id="4" name="Date Placeholder 3">
             <a:extLst>
               <a:ext uri="{FF2B5EF4-FFF2-40B4-BE49-F238E27FC236}">
-                <a16:creationId xmlns:a16="http://schemas.microsoft.com/office/drawing/2014/main" id="{91845DE6-535D-8612-3CA2-50B0175CB6A2}"/>
+                <a16:creationId xmlns:a16="http://schemas.microsoft.com/office/drawing/2014/main" id="{AC4EB472-8C78-4352-846D-2D73894DA76C}"/>
               </a:ext>
             </a:extLst>
           </p:cNvPr>
@@ -659,7 +660,7 @@
           <a:bodyPr/>
           <a:lstStyle/>
           <a:p>
-            <a:fld id="{BEAAFD63-98B8-4A21-AC0B-6202FDD2335C}" type="datetimeFigureOut">
+            <a:fld id="{4EEA0DD3-BFE8-4A66-928D-8B4D323E378B}" type="datetimeFigureOut">
               <a:rPr lang="en-US" smtClean="0"/>
               <a:t>10/6/2025</a:t>
             </a:fld>
@@ -672,7 +673,7 @@
           <p:cNvPr id="5" name="Footer Placeholder 4">
             <a:extLst>
               <a:ext uri="{FF2B5EF4-FFF2-40B4-BE49-F238E27FC236}">
-                <a16:creationId xmlns:a16="http://schemas.microsoft.com/office/drawing/2014/main" id="{99618980-F3A0-1673-1717-7A6AE034F73D}"/>
+                <a16:creationId xmlns:a16="http://schemas.microsoft.com/office/drawing/2014/main" id="{28CA7939-B29F-045F-7F89-ACD1D243343A}"/>
               </a:ext>
             </a:extLst>
           </p:cNvPr>
@@ -697,7 +698,7 @@
           <p:cNvPr id="6" name="Slide Number Placeholder 5">
             <a:extLst>
               <a:ext uri="{FF2B5EF4-FFF2-40B4-BE49-F238E27FC236}">
-                <a16:creationId xmlns:a16="http://schemas.microsoft.com/office/drawing/2014/main" id="{C991A345-CA3E-453D-8500-302E4FE9D5DF}"/>
+                <a16:creationId xmlns:a16="http://schemas.microsoft.com/office/drawing/2014/main" id="{307EA3A5-3C6C-DE53-6B75-84302E505282}"/>
               </a:ext>
             </a:extLst>
           </p:cNvPr>
@@ -713,7 +714,7 @@
           <a:bodyPr/>
           <a:lstStyle/>
           <a:p>
-            <a:fld id="{CBC7C889-4C7F-4126-BC36-D932DBC812D2}" type="slidenum">
+            <a:fld id="{FC7BA01A-4CAB-4636-8214-5BE75C6BECE6}" type="slidenum">
               <a:rPr lang="en-US" smtClean="0"/>
               <a:t>‹#›</a:t>
             </a:fld>
@@ -724,7 +725,7 @@
     </p:spTree>
     <p:extLst>
       <p:ext uri="{BB962C8B-B14F-4D97-AF65-F5344CB8AC3E}">
-        <p14:creationId xmlns:p14="http://schemas.microsoft.com/office/powerpoint/2010/main" val="1836341548"/>
+        <p14:creationId xmlns:p14="http://schemas.microsoft.com/office/powerpoint/2010/main" val="606818931"/>
       </p:ext>
     </p:extLst>
   </p:cSld>
@@ -756,7 +757,7 @@
           <p:cNvPr id="2" name="Title 1">
             <a:extLst>
               <a:ext uri="{FF2B5EF4-FFF2-40B4-BE49-F238E27FC236}">
-                <a16:creationId xmlns:a16="http://schemas.microsoft.com/office/drawing/2014/main" id="{C6690E3F-73FA-88EE-78FB-1D7326053765}"/>
+                <a16:creationId xmlns:a16="http://schemas.microsoft.com/office/drawing/2014/main" id="{37F762D7-5C0C-787C-F74B-895A458BC925}"/>
               </a:ext>
             </a:extLst>
           </p:cNvPr>
@@ -784,7 +785,7 @@
           <p:cNvPr id="3" name="Content Placeholder 2">
             <a:extLst>
               <a:ext uri="{FF2B5EF4-FFF2-40B4-BE49-F238E27FC236}">
-                <a16:creationId xmlns:a16="http://schemas.microsoft.com/office/drawing/2014/main" id="{DC6FC87B-5B70-1731-1410-86560035CDC4}"/>
+                <a16:creationId xmlns:a16="http://schemas.microsoft.com/office/drawing/2014/main" id="{CC04478F-0F49-C273-D5FA-51643F280DF0}"/>
               </a:ext>
             </a:extLst>
           </p:cNvPr>
@@ -841,7 +842,7 @@
           <p:cNvPr id="4" name="Date Placeholder 3">
             <a:extLst>
               <a:ext uri="{FF2B5EF4-FFF2-40B4-BE49-F238E27FC236}">
-                <a16:creationId xmlns:a16="http://schemas.microsoft.com/office/drawing/2014/main" id="{6CDB5CB7-09E2-39DB-B6D1-8B6BD51F9196}"/>
+                <a16:creationId xmlns:a16="http://schemas.microsoft.com/office/drawing/2014/main" id="{DAB4B00F-3354-19BB-E9F6-6D6D401B637A}"/>
               </a:ext>
             </a:extLst>
           </p:cNvPr>
@@ -857,7 +858,7 @@
           <a:bodyPr/>
           <a:lstStyle/>
           <a:p>
-            <a:fld id="{BEAAFD63-98B8-4A21-AC0B-6202FDD2335C}" type="datetimeFigureOut">
+            <a:fld id="{4EEA0DD3-BFE8-4A66-928D-8B4D323E378B}" type="datetimeFigureOut">
               <a:rPr lang="en-US" smtClean="0"/>
               <a:t>10/6/2025</a:t>
             </a:fld>
@@ -870,7 +871,7 @@
           <p:cNvPr id="5" name="Footer Placeholder 4">
             <a:extLst>
               <a:ext uri="{FF2B5EF4-FFF2-40B4-BE49-F238E27FC236}">
-                <a16:creationId xmlns:a16="http://schemas.microsoft.com/office/drawing/2014/main" id="{DE6AE1F5-789A-99BA-561E-D1576ED7DB9E}"/>
+                <a16:creationId xmlns:a16="http://schemas.microsoft.com/office/drawing/2014/main" id="{11D88511-C4C8-5651-3373-B3CFD84DEACA}"/>
               </a:ext>
             </a:extLst>
           </p:cNvPr>
@@ -895,7 +896,7 @@
           <p:cNvPr id="6" name="Slide Number Placeholder 5">
             <a:extLst>
               <a:ext uri="{FF2B5EF4-FFF2-40B4-BE49-F238E27FC236}">
-                <a16:creationId xmlns:a16="http://schemas.microsoft.com/office/drawing/2014/main" id="{99BC6B9B-3E03-7CFE-9C73-124F362DDBF9}"/>
+                <a16:creationId xmlns:a16="http://schemas.microsoft.com/office/drawing/2014/main" id="{29CEC091-37F2-D95E-6713-050014EC4EAD}"/>
               </a:ext>
             </a:extLst>
           </p:cNvPr>
@@ -911,7 +912,7 @@
           <a:bodyPr/>
           <a:lstStyle/>
           <a:p>
-            <a:fld id="{CBC7C889-4C7F-4126-BC36-D932DBC812D2}" type="slidenum">
+            <a:fld id="{FC7BA01A-4CAB-4636-8214-5BE75C6BECE6}" type="slidenum">
               <a:rPr lang="en-US" smtClean="0"/>
               <a:t>‹#›</a:t>
             </a:fld>
@@ -922,7 +923,7 @@
     </p:spTree>
     <p:extLst>
       <p:ext uri="{BB962C8B-B14F-4D97-AF65-F5344CB8AC3E}">
-        <p14:creationId xmlns:p14="http://schemas.microsoft.com/office/powerpoint/2010/main" val="990862789"/>
+        <p14:creationId xmlns:p14="http://schemas.microsoft.com/office/powerpoint/2010/main" val="1036768979"/>
       </p:ext>
     </p:extLst>
   </p:cSld>
@@ -954,7 +955,7 @@
           <p:cNvPr id="2" name="Title 1">
             <a:extLst>
               <a:ext uri="{FF2B5EF4-FFF2-40B4-BE49-F238E27FC236}">
-                <a16:creationId xmlns:a16="http://schemas.microsoft.com/office/drawing/2014/main" id="{9559D244-31BB-0ABB-408E-FF05F9B1175C}"/>
+                <a16:creationId xmlns:a16="http://schemas.microsoft.com/office/drawing/2014/main" id="{5037368A-DBAE-CEA7-5E3F-1BF6140A17ED}"/>
               </a:ext>
             </a:extLst>
           </p:cNvPr>
@@ -991,7 +992,7 @@
           <p:cNvPr id="3" name="Text Placeholder 2">
             <a:extLst>
               <a:ext uri="{FF2B5EF4-FFF2-40B4-BE49-F238E27FC236}">
-                <a16:creationId xmlns:a16="http://schemas.microsoft.com/office/drawing/2014/main" id="{F769B25E-7682-4909-8012-5E0FDC214B3E}"/>
+                <a16:creationId xmlns:a16="http://schemas.microsoft.com/office/drawing/2014/main" id="{326B7D59-EF03-CC24-8E96-42BD3D5EA723}"/>
               </a:ext>
             </a:extLst>
           </p:cNvPr>
@@ -1116,7 +1117,7 @@
           <p:cNvPr id="4" name="Date Placeholder 3">
             <a:extLst>
               <a:ext uri="{FF2B5EF4-FFF2-40B4-BE49-F238E27FC236}">
-                <a16:creationId xmlns:a16="http://schemas.microsoft.com/office/drawing/2014/main" id="{F0B9E8C5-0D7C-C560-8CDA-262F2D893BA6}"/>
+                <a16:creationId xmlns:a16="http://schemas.microsoft.com/office/drawing/2014/main" id="{B1BAFCAD-9D08-C2E1-D3E6-90F937695C2E}"/>
               </a:ext>
             </a:extLst>
           </p:cNvPr>
@@ -1132,7 +1133,7 @@
           <a:bodyPr/>
           <a:lstStyle/>
           <a:p>
-            <a:fld id="{BEAAFD63-98B8-4A21-AC0B-6202FDD2335C}" type="datetimeFigureOut">
+            <a:fld id="{4EEA0DD3-BFE8-4A66-928D-8B4D323E378B}" type="datetimeFigureOut">
               <a:rPr lang="en-US" smtClean="0"/>
               <a:t>10/6/2025</a:t>
             </a:fld>
@@ -1145,7 +1146,7 @@
           <p:cNvPr id="5" name="Footer Placeholder 4">
             <a:extLst>
               <a:ext uri="{FF2B5EF4-FFF2-40B4-BE49-F238E27FC236}">
-                <a16:creationId xmlns:a16="http://schemas.microsoft.com/office/drawing/2014/main" id="{1BC8A801-2B8A-B540-8747-BB39075F2275}"/>
+                <a16:creationId xmlns:a16="http://schemas.microsoft.com/office/drawing/2014/main" id="{8A24E365-7BCF-067E-CD6E-CF813F6812CD}"/>
               </a:ext>
             </a:extLst>
           </p:cNvPr>
@@ -1170,7 +1171,7 @@
           <p:cNvPr id="6" name="Slide Number Placeholder 5">
             <a:extLst>
               <a:ext uri="{FF2B5EF4-FFF2-40B4-BE49-F238E27FC236}">
-                <a16:creationId xmlns:a16="http://schemas.microsoft.com/office/drawing/2014/main" id="{C57F15EE-4A73-AC7E-1601-874086089E65}"/>
+                <a16:creationId xmlns:a16="http://schemas.microsoft.com/office/drawing/2014/main" id="{81FA64F3-FC16-CEE6-BE77-9FBB697947A3}"/>
               </a:ext>
             </a:extLst>
           </p:cNvPr>
@@ -1186,7 +1187,7 @@
           <a:bodyPr/>
           <a:lstStyle/>
           <a:p>
-            <a:fld id="{CBC7C889-4C7F-4126-BC36-D932DBC812D2}" type="slidenum">
+            <a:fld id="{FC7BA01A-4CAB-4636-8214-5BE75C6BECE6}" type="slidenum">
               <a:rPr lang="en-US" smtClean="0"/>
               <a:t>‹#›</a:t>
             </a:fld>
@@ -1197,7 +1198,7 @@
     </p:spTree>
     <p:extLst>
       <p:ext uri="{BB962C8B-B14F-4D97-AF65-F5344CB8AC3E}">
-        <p14:creationId xmlns:p14="http://schemas.microsoft.com/office/powerpoint/2010/main" val="1644959128"/>
+        <p14:creationId xmlns:p14="http://schemas.microsoft.com/office/powerpoint/2010/main" val="3078946870"/>
       </p:ext>
     </p:extLst>
   </p:cSld>
@@ -1229,7 +1230,7 @@
           <p:cNvPr id="2" name="Title 1">
             <a:extLst>
               <a:ext uri="{FF2B5EF4-FFF2-40B4-BE49-F238E27FC236}">
-                <a16:creationId xmlns:a16="http://schemas.microsoft.com/office/drawing/2014/main" id="{C4679FDD-E2DA-62E6-47CB-B24F41586392}"/>
+                <a16:creationId xmlns:a16="http://schemas.microsoft.com/office/drawing/2014/main" id="{C01E42BA-8E4F-F8E8-931F-60DECFED8AF6}"/>
               </a:ext>
             </a:extLst>
           </p:cNvPr>
@@ -1257,7 +1258,7 @@
           <p:cNvPr id="3" name="Content Placeholder 2">
             <a:extLst>
               <a:ext uri="{FF2B5EF4-FFF2-40B4-BE49-F238E27FC236}">
-                <a16:creationId xmlns:a16="http://schemas.microsoft.com/office/drawing/2014/main" id="{91ABA256-7E8E-4570-0947-B308CC652D66}"/>
+                <a16:creationId xmlns:a16="http://schemas.microsoft.com/office/drawing/2014/main" id="{52E7B236-4A6F-CC84-1B1C-04568566993E}"/>
               </a:ext>
             </a:extLst>
           </p:cNvPr>
@@ -1319,7 +1320,7 @@
           <p:cNvPr id="4" name="Content Placeholder 3">
             <a:extLst>
               <a:ext uri="{FF2B5EF4-FFF2-40B4-BE49-F238E27FC236}">
-                <a16:creationId xmlns:a16="http://schemas.microsoft.com/office/drawing/2014/main" id="{EA5244E4-4FBE-9A96-49F7-121D63DE155C}"/>
+                <a16:creationId xmlns:a16="http://schemas.microsoft.com/office/drawing/2014/main" id="{1362C22C-5608-E96A-E283-C64D8A7B32A4}"/>
               </a:ext>
             </a:extLst>
           </p:cNvPr>
@@ -1381,7 +1382,7 @@
           <p:cNvPr id="5" name="Date Placeholder 4">
             <a:extLst>
               <a:ext uri="{FF2B5EF4-FFF2-40B4-BE49-F238E27FC236}">
-                <a16:creationId xmlns:a16="http://schemas.microsoft.com/office/drawing/2014/main" id="{FF3D5CBC-B481-D12B-A026-EAC6F9DAA1A4}"/>
+                <a16:creationId xmlns:a16="http://schemas.microsoft.com/office/drawing/2014/main" id="{6BDA848B-75CF-80F7-080D-653C32586F7B}"/>
               </a:ext>
             </a:extLst>
           </p:cNvPr>
@@ -1397,7 +1398,7 @@
           <a:bodyPr/>
           <a:lstStyle/>
           <a:p>
-            <a:fld id="{BEAAFD63-98B8-4A21-AC0B-6202FDD2335C}" type="datetimeFigureOut">
+            <a:fld id="{4EEA0DD3-BFE8-4A66-928D-8B4D323E378B}" type="datetimeFigureOut">
               <a:rPr lang="en-US" smtClean="0"/>
               <a:t>10/6/2025</a:t>
             </a:fld>
@@ -1410,7 +1411,7 @@
           <p:cNvPr id="6" name="Footer Placeholder 5">
             <a:extLst>
               <a:ext uri="{FF2B5EF4-FFF2-40B4-BE49-F238E27FC236}">
-                <a16:creationId xmlns:a16="http://schemas.microsoft.com/office/drawing/2014/main" id="{8789568D-F1AC-5350-8846-5FEE4D286795}"/>
+                <a16:creationId xmlns:a16="http://schemas.microsoft.com/office/drawing/2014/main" id="{C53A43AF-F947-01D4-E709-AE0F725DCCA8}"/>
               </a:ext>
             </a:extLst>
           </p:cNvPr>
@@ -1435,7 +1436,7 @@
           <p:cNvPr id="7" name="Slide Number Placeholder 6">
             <a:extLst>
               <a:ext uri="{FF2B5EF4-FFF2-40B4-BE49-F238E27FC236}">
-                <a16:creationId xmlns:a16="http://schemas.microsoft.com/office/drawing/2014/main" id="{4C5639AF-F78E-8FAF-F09E-4943E32B76EA}"/>
+                <a16:creationId xmlns:a16="http://schemas.microsoft.com/office/drawing/2014/main" id="{85B6E7F8-53C8-6BED-A23C-5E259896207D}"/>
               </a:ext>
             </a:extLst>
           </p:cNvPr>
@@ -1451,7 +1452,7 @@
           <a:bodyPr/>
           <a:lstStyle/>
           <a:p>
-            <a:fld id="{CBC7C889-4C7F-4126-BC36-D932DBC812D2}" type="slidenum">
+            <a:fld id="{FC7BA01A-4CAB-4636-8214-5BE75C6BECE6}" type="slidenum">
               <a:rPr lang="en-US" smtClean="0"/>
               <a:t>‹#›</a:t>
             </a:fld>
@@ -1462,7 +1463,7 @@
     </p:spTree>
     <p:extLst>
       <p:ext uri="{BB962C8B-B14F-4D97-AF65-F5344CB8AC3E}">
-        <p14:creationId xmlns:p14="http://schemas.microsoft.com/office/powerpoint/2010/main" val="3599069410"/>
+        <p14:creationId xmlns:p14="http://schemas.microsoft.com/office/powerpoint/2010/main" val="1662468656"/>
       </p:ext>
     </p:extLst>
   </p:cSld>
@@ -1494,7 +1495,7 @@
           <p:cNvPr id="2" name="Title 1">
             <a:extLst>
               <a:ext uri="{FF2B5EF4-FFF2-40B4-BE49-F238E27FC236}">
-                <a16:creationId xmlns:a16="http://schemas.microsoft.com/office/drawing/2014/main" id="{E82DF70C-0460-65F5-2317-52C9E079C895}"/>
+                <a16:creationId xmlns:a16="http://schemas.microsoft.com/office/drawing/2014/main" id="{57125FA7-00C0-7E73-AD0E-AFAA92B4D6A4}"/>
               </a:ext>
             </a:extLst>
           </p:cNvPr>
@@ -1527,7 +1528,7 @@
           <p:cNvPr id="3" name="Text Placeholder 2">
             <a:extLst>
               <a:ext uri="{FF2B5EF4-FFF2-40B4-BE49-F238E27FC236}">
-                <a16:creationId xmlns:a16="http://schemas.microsoft.com/office/drawing/2014/main" id="{2748B6B2-ED29-2F52-2B59-7CCF9D8C8CAA}"/>
+                <a16:creationId xmlns:a16="http://schemas.microsoft.com/office/drawing/2014/main" id="{7955C065-8B14-E631-8A86-D36EF1FDB6E3}"/>
               </a:ext>
             </a:extLst>
           </p:cNvPr>
@@ -1598,7 +1599,7 @@
           <p:cNvPr id="4" name="Content Placeholder 3">
             <a:extLst>
               <a:ext uri="{FF2B5EF4-FFF2-40B4-BE49-F238E27FC236}">
-                <a16:creationId xmlns:a16="http://schemas.microsoft.com/office/drawing/2014/main" id="{60D128FF-9EB0-66DD-893C-7A72597AEEC6}"/>
+                <a16:creationId xmlns:a16="http://schemas.microsoft.com/office/drawing/2014/main" id="{81E53D8C-2E59-BE91-68BE-3784E50A6D2A}"/>
               </a:ext>
             </a:extLst>
           </p:cNvPr>
@@ -1660,7 +1661,7 @@
           <p:cNvPr id="5" name="Text Placeholder 4">
             <a:extLst>
               <a:ext uri="{FF2B5EF4-FFF2-40B4-BE49-F238E27FC236}">
-                <a16:creationId xmlns:a16="http://schemas.microsoft.com/office/drawing/2014/main" id="{DC228E73-1C5E-7A53-EB20-8EF478FC6D7D}"/>
+                <a16:creationId xmlns:a16="http://schemas.microsoft.com/office/drawing/2014/main" id="{59D92038-4857-3E60-2615-9A02096DA1B7}"/>
               </a:ext>
             </a:extLst>
           </p:cNvPr>
@@ -1731,7 +1732,7 @@
           <p:cNvPr id="6" name="Content Placeholder 5">
             <a:extLst>
               <a:ext uri="{FF2B5EF4-FFF2-40B4-BE49-F238E27FC236}">
-                <a16:creationId xmlns:a16="http://schemas.microsoft.com/office/drawing/2014/main" id="{E231EDF2-41AD-5808-629A-480AE99B2934}"/>
+                <a16:creationId xmlns:a16="http://schemas.microsoft.com/office/drawing/2014/main" id="{D310CA84-38EE-233E-7265-1B1E9B9D7D0E}"/>
               </a:ext>
             </a:extLst>
           </p:cNvPr>
@@ -1793,7 +1794,7 @@
           <p:cNvPr id="7" name="Date Placeholder 6">
             <a:extLst>
               <a:ext uri="{FF2B5EF4-FFF2-40B4-BE49-F238E27FC236}">
-                <a16:creationId xmlns:a16="http://schemas.microsoft.com/office/drawing/2014/main" id="{0166B44F-A18A-32C2-D7AF-FD132F4E3080}"/>
+                <a16:creationId xmlns:a16="http://schemas.microsoft.com/office/drawing/2014/main" id="{159529B1-81D5-77BF-429B-2F47EE906E34}"/>
               </a:ext>
             </a:extLst>
           </p:cNvPr>
@@ -1809,7 +1810,7 @@
           <a:bodyPr/>
           <a:lstStyle/>
           <a:p>
-            <a:fld id="{BEAAFD63-98B8-4A21-AC0B-6202FDD2335C}" type="datetimeFigureOut">
+            <a:fld id="{4EEA0DD3-BFE8-4A66-928D-8B4D323E378B}" type="datetimeFigureOut">
               <a:rPr lang="en-US" smtClean="0"/>
               <a:t>10/6/2025</a:t>
             </a:fld>
@@ -1822,7 +1823,7 @@
           <p:cNvPr id="8" name="Footer Placeholder 7">
             <a:extLst>
               <a:ext uri="{FF2B5EF4-FFF2-40B4-BE49-F238E27FC236}">
-                <a16:creationId xmlns:a16="http://schemas.microsoft.com/office/drawing/2014/main" id="{ECD246C3-10DC-FE49-1E3D-9453BD719E65}"/>
+                <a16:creationId xmlns:a16="http://schemas.microsoft.com/office/drawing/2014/main" id="{3B7D47E8-F9AF-7BC1-7501-A33C3E80BEA2}"/>
               </a:ext>
             </a:extLst>
           </p:cNvPr>
@@ -1847,7 +1848,7 @@
           <p:cNvPr id="9" name="Slide Number Placeholder 8">
             <a:extLst>
               <a:ext uri="{FF2B5EF4-FFF2-40B4-BE49-F238E27FC236}">
-                <a16:creationId xmlns:a16="http://schemas.microsoft.com/office/drawing/2014/main" id="{19A6892B-AE77-02AF-47E2-98228048F6FD}"/>
+                <a16:creationId xmlns:a16="http://schemas.microsoft.com/office/drawing/2014/main" id="{EDC588FA-A7D6-5CE0-59E3-49047A3ED833}"/>
               </a:ext>
             </a:extLst>
           </p:cNvPr>
@@ -1863,7 +1864,7 @@
           <a:bodyPr/>
           <a:lstStyle/>
           <a:p>
-            <a:fld id="{CBC7C889-4C7F-4126-BC36-D932DBC812D2}" type="slidenum">
+            <a:fld id="{FC7BA01A-4CAB-4636-8214-5BE75C6BECE6}" type="slidenum">
               <a:rPr lang="en-US" smtClean="0"/>
               <a:t>‹#›</a:t>
             </a:fld>
@@ -1874,7 +1875,7 @@
     </p:spTree>
     <p:extLst>
       <p:ext uri="{BB962C8B-B14F-4D97-AF65-F5344CB8AC3E}">
-        <p14:creationId xmlns:p14="http://schemas.microsoft.com/office/powerpoint/2010/main" val="62797141"/>
+        <p14:creationId xmlns:p14="http://schemas.microsoft.com/office/powerpoint/2010/main" val="401775297"/>
       </p:ext>
     </p:extLst>
   </p:cSld>
@@ -1906,7 +1907,7 @@
           <p:cNvPr id="2" name="Title 1">
             <a:extLst>
               <a:ext uri="{FF2B5EF4-FFF2-40B4-BE49-F238E27FC236}">
-                <a16:creationId xmlns:a16="http://schemas.microsoft.com/office/drawing/2014/main" id="{DD621317-1C06-1C16-342E-B212CBAB1D55}"/>
+                <a16:creationId xmlns:a16="http://schemas.microsoft.com/office/drawing/2014/main" id="{3D43D9EB-0A64-A342-913F-F94CEBDE17AD}"/>
               </a:ext>
             </a:extLst>
           </p:cNvPr>
@@ -1934,7 +1935,7 @@
           <p:cNvPr id="3" name="Date Placeholder 2">
             <a:extLst>
               <a:ext uri="{FF2B5EF4-FFF2-40B4-BE49-F238E27FC236}">
-                <a16:creationId xmlns:a16="http://schemas.microsoft.com/office/drawing/2014/main" id="{8148294E-9F4A-3644-B3D6-F36BF95C21B4}"/>
+                <a16:creationId xmlns:a16="http://schemas.microsoft.com/office/drawing/2014/main" id="{8188BBD6-7CC3-59A0-D3E0-1B119801820E}"/>
               </a:ext>
             </a:extLst>
           </p:cNvPr>
@@ -1950,7 +1951,7 @@
           <a:bodyPr/>
           <a:lstStyle/>
           <a:p>
-            <a:fld id="{BEAAFD63-98B8-4A21-AC0B-6202FDD2335C}" type="datetimeFigureOut">
+            <a:fld id="{4EEA0DD3-BFE8-4A66-928D-8B4D323E378B}" type="datetimeFigureOut">
               <a:rPr lang="en-US" smtClean="0"/>
               <a:t>10/6/2025</a:t>
             </a:fld>
@@ -1963,7 +1964,7 @@
           <p:cNvPr id="4" name="Footer Placeholder 3">
             <a:extLst>
               <a:ext uri="{FF2B5EF4-FFF2-40B4-BE49-F238E27FC236}">
-                <a16:creationId xmlns:a16="http://schemas.microsoft.com/office/drawing/2014/main" id="{0348CBC8-4A62-AFE7-90EC-62EEC6556CD0}"/>
+                <a16:creationId xmlns:a16="http://schemas.microsoft.com/office/drawing/2014/main" id="{315539B1-AEBD-B8BA-813C-AF8AB011E821}"/>
               </a:ext>
             </a:extLst>
           </p:cNvPr>
@@ -1988,7 +1989,7 @@
           <p:cNvPr id="5" name="Slide Number Placeholder 4">
             <a:extLst>
               <a:ext uri="{FF2B5EF4-FFF2-40B4-BE49-F238E27FC236}">
-                <a16:creationId xmlns:a16="http://schemas.microsoft.com/office/drawing/2014/main" id="{753F991C-DAE7-6F72-BDA8-64C2C45AEB36}"/>
+                <a16:creationId xmlns:a16="http://schemas.microsoft.com/office/drawing/2014/main" id="{54612039-9413-5352-8D2F-0B28A6D5DF16}"/>
               </a:ext>
             </a:extLst>
           </p:cNvPr>
@@ -2004,7 +2005,7 @@
           <a:bodyPr/>
           <a:lstStyle/>
           <a:p>
-            <a:fld id="{CBC7C889-4C7F-4126-BC36-D932DBC812D2}" type="slidenum">
+            <a:fld id="{FC7BA01A-4CAB-4636-8214-5BE75C6BECE6}" type="slidenum">
               <a:rPr lang="en-US" smtClean="0"/>
               <a:t>‹#›</a:t>
             </a:fld>
@@ -2015,7 +2016,7 @@
     </p:spTree>
     <p:extLst>
       <p:ext uri="{BB962C8B-B14F-4D97-AF65-F5344CB8AC3E}">
-        <p14:creationId xmlns:p14="http://schemas.microsoft.com/office/powerpoint/2010/main" val="514996942"/>
+        <p14:creationId xmlns:p14="http://schemas.microsoft.com/office/powerpoint/2010/main" val="1622795279"/>
       </p:ext>
     </p:extLst>
   </p:cSld>
@@ -2047,7 +2048,7 @@
           <p:cNvPr id="2" name="Date Placeholder 1">
             <a:extLst>
               <a:ext uri="{FF2B5EF4-FFF2-40B4-BE49-F238E27FC236}">
-                <a16:creationId xmlns:a16="http://schemas.microsoft.com/office/drawing/2014/main" id="{0FBEF9B2-8100-590B-17D5-F810AB210DDD}"/>
+                <a16:creationId xmlns:a16="http://schemas.microsoft.com/office/drawing/2014/main" id="{20F1E2E8-D1A8-9372-761C-A5B126404839}"/>
               </a:ext>
             </a:extLst>
           </p:cNvPr>
@@ -2063,7 +2064,7 @@
           <a:bodyPr/>
           <a:lstStyle/>
           <a:p>
-            <a:fld id="{BEAAFD63-98B8-4A21-AC0B-6202FDD2335C}" type="datetimeFigureOut">
+            <a:fld id="{4EEA0DD3-BFE8-4A66-928D-8B4D323E378B}" type="datetimeFigureOut">
               <a:rPr lang="en-US" smtClean="0"/>
               <a:t>10/6/2025</a:t>
             </a:fld>
@@ -2076,7 +2077,7 @@
           <p:cNvPr id="3" name="Footer Placeholder 2">
             <a:extLst>
               <a:ext uri="{FF2B5EF4-FFF2-40B4-BE49-F238E27FC236}">
-                <a16:creationId xmlns:a16="http://schemas.microsoft.com/office/drawing/2014/main" id="{EC50A0A1-075A-8596-7E93-3BB111F8C1F1}"/>
+                <a16:creationId xmlns:a16="http://schemas.microsoft.com/office/drawing/2014/main" id="{37DCB5C6-B661-3E56-FA9F-173D27AEED3A}"/>
               </a:ext>
             </a:extLst>
           </p:cNvPr>
@@ -2101,7 +2102,7 @@
           <p:cNvPr id="4" name="Slide Number Placeholder 3">
             <a:extLst>
               <a:ext uri="{FF2B5EF4-FFF2-40B4-BE49-F238E27FC236}">
-                <a16:creationId xmlns:a16="http://schemas.microsoft.com/office/drawing/2014/main" id="{37270F6B-D720-2BFB-C707-4865FB1990B5}"/>
+                <a16:creationId xmlns:a16="http://schemas.microsoft.com/office/drawing/2014/main" id="{6F5C7B8A-9DF8-E593-BC1F-373B0F7C389A}"/>
               </a:ext>
             </a:extLst>
           </p:cNvPr>
@@ -2117,7 +2118,7 @@
           <a:bodyPr/>
           <a:lstStyle/>
           <a:p>
-            <a:fld id="{CBC7C889-4C7F-4126-BC36-D932DBC812D2}" type="slidenum">
+            <a:fld id="{FC7BA01A-4CAB-4636-8214-5BE75C6BECE6}" type="slidenum">
               <a:rPr lang="en-US" smtClean="0"/>
               <a:t>‹#›</a:t>
             </a:fld>
@@ -2128,7 +2129,7 @@
     </p:spTree>
     <p:extLst>
       <p:ext uri="{BB962C8B-B14F-4D97-AF65-F5344CB8AC3E}">
-        <p14:creationId xmlns:p14="http://schemas.microsoft.com/office/powerpoint/2010/main" val="1549970940"/>
+        <p14:creationId xmlns:p14="http://schemas.microsoft.com/office/powerpoint/2010/main" val="2195446976"/>
       </p:ext>
     </p:extLst>
   </p:cSld>
@@ -2160,7 +2161,7 @@
           <p:cNvPr id="2" name="Title 1">
             <a:extLst>
               <a:ext uri="{FF2B5EF4-FFF2-40B4-BE49-F238E27FC236}">
-                <a16:creationId xmlns:a16="http://schemas.microsoft.com/office/drawing/2014/main" id="{54B370C3-487D-8BF2-69D9-74DDAE06BC46}"/>
+                <a16:creationId xmlns:a16="http://schemas.microsoft.com/office/drawing/2014/main" id="{EF5D2D8E-5C47-C70A-EB7E-D33B7BE51D20}"/>
               </a:ext>
             </a:extLst>
           </p:cNvPr>
@@ -2197,7 +2198,7 @@
           <p:cNvPr id="3" name="Content Placeholder 2">
             <a:extLst>
               <a:ext uri="{FF2B5EF4-FFF2-40B4-BE49-F238E27FC236}">
-                <a16:creationId xmlns:a16="http://schemas.microsoft.com/office/drawing/2014/main" id="{1CE43314-D39B-1C0E-7FF4-F0AF9AAD1871}"/>
+                <a16:creationId xmlns:a16="http://schemas.microsoft.com/office/drawing/2014/main" id="{91211CE4-7319-D736-4922-11169D5629A6}"/>
               </a:ext>
             </a:extLst>
           </p:cNvPr>
@@ -2287,7 +2288,7 @@
           <p:cNvPr id="4" name="Text Placeholder 3">
             <a:extLst>
               <a:ext uri="{FF2B5EF4-FFF2-40B4-BE49-F238E27FC236}">
-                <a16:creationId xmlns:a16="http://schemas.microsoft.com/office/drawing/2014/main" id="{999BDB9E-8891-9BA0-1E1A-AECF6B67F618}"/>
+                <a16:creationId xmlns:a16="http://schemas.microsoft.com/office/drawing/2014/main" id="{0D2A1CFD-F88E-1DF3-4309-B819E48D808F}"/>
               </a:ext>
             </a:extLst>
           </p:cNvPr>
@@ -2358,7 +2359,7 @@
           <p:cNvPr id="5" name="Date Placeholder 4">
             <a:extLst>
               <a:ext uri="{FF2B5EF4-FFF2-40B4-BE49-F238E27FC236}">
-                <a16:creationId xmlns:a16="http://schemas.microsoft.com/office/drawing/2014/main" id="{6BB0B04E-3B42-2097-360D-2877D4C5F0F9}"/>
+                <a16:creationId xmlns:a16="http://schemas.microsoft.com/office/drawing/2014/main" id="{C283559F-EBDD-705A-67F7-62E6A5663B44}"/>
               </a:ext>
             </a:extLst>
           </p:cNvPr>
@@ -2374,7 +2375,7 @@
           <a:bodyPr/>
           <a:lstStyle/>
           <a:p>
-            <a:fld id="{BEAAFD63-98B8-4A21-AC0B-6202FDD2335C}" type="datetimeFigureOut">
+            <a:fld id="{4EEA0DD3-BFE8-4A66-928D-8B4D323E378B}" type="datetimeFigureOut">
               <a:rPr lang="en-US" smtClean="0"/>
               <a:t>10/6/2025</a:t>
             </a:fld>
@@ -2387,7 +2388,7 @@
           <p:cNvPr id="6" name="Footer Placeholder 5">
             <a:extLst>
               <a:ext uri="{FF2B5EF4-FFF2-40B4-BE49-F238E27FC236}">
-                <a16:creationId xmlns:a16="http://schemas.microsoft.com/office/drawing/2014/main" id="{A1FA64D0-C613-7E61-FE97-3D04488ACB4F}"/>
+                <a16:creationId xmlns:a16="http://schemas.microsoft.com/office/drawing/2014/main" id="{233D1442-2B12-F582-3AB9-727F252B50BE}"/>
               </a:ext>
             </a:extLst>
           </p:cNvPr>
@@ -2412,7 +2413,7 @@
           <p:cNvPr id="7" name="Slide Number Placeholder 6">
             <a:extLst>
               <a:ext uri="{FF2B5EF4-FFF2-40B4-BE49-F238E27FC236}">
-                <a16:creationId xmlns:a16="http://schemas.microsoft.com/office/drawing/2014/main" id="{8B427D88-FDC9-6DE2-3479-C8022DF3E9B3}"/>
+                <a16:creationId xmlns:a16="http://schemas.microsoft.com/office/drawing/2014/main" id="{4AC9F24B-1C33-ABCE-25E1-2CC9D142BB9B}"/>
               </a:ext>
             </a:extLst>
           </p:cNvPr>
@@ -2428,7 +2429,7 @@
           <a:bodyPr/>
           <a:lstStyle/>
           <a:p>
-            <a:fld id="{CBC7C889-4C7F-4126-BC36-D932DBC812D2}" type="slidenum">
+            <a:fld id="{FC7BA01A-4CAB-4636-8214-5BE75C6BECE6}" type="slidenum">
               <a:rPr lang="en-US" smtClean="0"/>
               <a:t>‹#›</a:t>
             </a:fld>
@@ -2439,7 +2440,7 @@
     </p:spTree>
     <p:extLst>
       <p:ext uri="{BB962C8B-B14F-4D97-AF65-F5344CB8AC3E}">
-        <p14:creationId xmlns:p14="http://schemas.microsoft.com/office/powerpoint/2010/main" val="3527987029"/>
+        <p14:creationId xmlns:p14="http://schemas.microsoft.com/office/powerpoint/2010/main" val="1966314683"/>
       </p:ext>
     </p:extLst>
   </p:cSld>
@@ -2471,7 +2472,7 @@
           <p:cNvPr id="2" name="Title 1">
             <a:extLst>
               <a:ext uri="{FF2B5EF4-FFF2-40B4-BE49-F238E27FC236}">
-                <a16:creationId xmlns:a16="http://schemas.microsoft.com/office/drawing/2014/main" id="{1E466731-0D3C-A5A7-BBD4-3FC73ACFC1C6}"/>
+                <a16:creationId xmlns:a16="http://schemas.microsoft.com/office/drawing/2014/main" id="{451725ED-6D38-F392-27C4-B3DB051D4534}"/>
               </a:ext>
             </a:extLst>
           </p:cNvPr>
@@ -2508,7 +2509,7 @@
           <p:cNvPr id="3" name="Picture Placeholder 2">
             <a:extLst>
               <a:ext uri="{FF2B5EF4-FFF2-40B4-BE49-F238E27FC236}">
-                <a16:creationId xmlns:a16="http://schemas.microsoft.com/office/drawing/2014/main" id="{2829234A-40B2-AD18-BE92-E4351152D994}"/>
+                <a16:creationId xmlns:a16="http://schemas.microsoft.com/office/drawing/2014/main" id="{47DAF33C-1047-BAAB-1F86-6EF603092AD3}"/>
               </a:ext>
             </a:extLst>
           </p:cNvPr>
@@ -2575,7 +2576,7 @@
           <p:cNvPr id="4" name="Text Placeholder 3">
             <a:extLst>
               <a:ext uri="{FF2B5EF4-FFF2-40B4-BE49-F238E27FC236}">
-                <a16:creationId xmlns:a16="http://schemas.microsoft.com/office/drawing/2014/main" id="{A763DEA8-915F-4EEA-2B39-AF76CA3D15B9}"/>
+                <a16:creationId xmlns:a16="http://schemas.microsoft.com/office/drawing/2014/main" id="{51689D79-5F1C-69C3-9C88-AB343C7459F0}"/>
               </a:ext>
             </a:extLst>
           </p:cNvPr>
@@ -2646,7 +2647,7 @@
           <p:cNvPr id="5" name="Date Placeholder 4">
             <a:extLst>
               <a:ext uri="{FF2B5EF4-FFF2-40B4-BE49-F238E27FC236}">
-                <a16:creationId xmlns:a16="http://schemas.microsoft.com/office/drawing/2014/main" id="{AC6EBC29-6E47-C254-4FC2-4DA5A0513AB9}"/>
+                <a16:creationId xmlns:a16="http://schemas.microsoft.com/office/drawing/2014/main" id="{C64A3BD5-BC99-8FC3-3BD7-9546470B2248}"/>
               </a:ext>
             </a:extLst>
           </p:cNvPr>
@@ -2662,7 +2663,7 @@
           <a:bodyPr/>
           <a:lstStyle/>
           <a:p>
-            <a:fld id="{BEAAFD63-98B8-4A21-AC0B-6202FDD2335C}" type="datetimeFigureOut">
+            <a:fld id="{4EEA0DD3-BFE8-4A66-928D-8B4D323E378B}" type="datetimeFigureOut">
               <a:rPr lang="en-US" smtClean="0"/>
               <a:t>10/6/2025</a:t>
             </a:fld>
@@ -2675,7 +2676,7 @@
           <p:cNvPr id="6" name="Footer Placeholder 5">
             <a:extLst>
               <a:ext uri="{FF2B5EF4-FFF2-40B4-BE49-F238E27FC236}">
-                <a16:creationId xmlns:a16="http://schemas.microsoft.com/office/drawing/2014/main" id="{9FC196A7-E47C-10B5-D094-29AFB09E1641}"/>
+                <a16:creationId xmlns:a16="http://schemas.microsoft.com/office/drawing/2014/main" id="{1B87F315-9827-BBBE-0EF2-D227632DFFF4}"/>
               </a:ext>
             </a:extLst>
           </p:cNvPr>
@@ -2700,7 +2701,7 @@
           <p:cNvPr id="7" name="Slide Number Placeholder 6">
             <a:extLst>
               <a:ext uri="{FF2B5EF4-FFF2-40B4-BE49-F238E27FC236}">
-                <a16:creationId xmlns:a16="http://schemas.microsoft.com/office/drawing/2014/main" id="{D28E22A7-5609-D5B4-4778-EA2EA98D6FE7}"/>
+                <a16:creationId xmlns:a16="http://schemas.microsoft.com/office/drawing/2014/main" id="{CF589A3A-8962-AE2D-237D-045498E86375}"/>
               </a:ext>
             </a:extLst>
           </p:cNvPr>
@@ -2716,7 +2717,7 @@
           <a:bodyPr/>
           <a:lstStyle/>
           <a:p>
-            <a:fld id="{CBC7C889-4C7F-4126-BC36-D932DBC812D2}" type="slidenum">
+            <a:fld id="{FC7BA01A-4CAB-4636-8214-5BE75C6BECE6}" type="slidenum">
               <a:rPr lang="en-US" smtClean="0"/>
               <a:t>‹#›</a:t>
             </a:fld>
@@ -2727,7 +2728,7 @@
     </p:spTree>
     <p:extLst>
       <p:ext uri="{BB962C8B-B14F-4D97-AF65-F5344CB8AC3E}">
-        <p14:creationId xmlns:p14="http://schemas.microsoft.com/office/powerpoint/2010/main" val="2312428826"/>
+        <p14:creationId xmlns:p14="http://schemas.microsoft.com/office/powerpoint/2010/main" val="4012495766"/>
       </p:ext>
     </p:extLst>
   </p:cSld>
@@ -2764,7 +2765,7 @@
           <p:cNvPr id="2" name="Title Placeholder 1">
             <a:extLst>
               <a:ext uri="{FF2B5EF4-FFF2-40B4-BE49-F238E27FC236}">
-                <a16:creationId xmlns:a16="http://schemas.microsoft.com/office/drawing/2014/main" id="{B3A3244C-1605-9E2D-215E-B8CBD1E105A2}"/>
+                <a16:creationId xmlns:a16="http://schemas.microsoft.com/office/drawing/2014/main" id="{8ECCBC92-9573-D034-77EE-01F7A4F8D462}"/>
               </a:ext>
             </a:extLst>
           </p:cNvPr>
@@ -2802,7 +2803,7 @@
           <p:cNvPr id="3" name="Text Placeholder 2">
             <a:extLst>
               <a:ext uri="{FF2B5EF4-FFF2-40B4-BE49-F238E27FC236}">
-                <a16:creationId xmlns:a16="http://schemas.microsoft.com/office/drawing/2014/main" id="{BFCD0C55-84C0-FB7D-49FF-D04C9F2B3B51}"/>
+                <a16:creationId xmlns:a16="http://schemas.microsoft.com/office/drawing/2014/main" id="{53AAF5FF-3767-F68C-F2D8-5A085794A7AA}"/>
               </a:ext>
             </a:extLst>
           </p:cNvPr>
@@ -2869,7 +2870,7 @@
           <p:cNvPr id="4" name="Date Placeholder 3">
             <a:extLst>
               <a:ext uri="{FF2B5EF4-FFF2-40B4-BE49-F238E27FC236}">
-                <a16:creationId xmlns:a16="http://schemas.microsoft.com/office/drawing/2014/main" id="{20307B75-DB2D-DCE5-A1CD-CE9DE66F0BF7}"/>
+                <a16:creationId xmlns:a16="http://schemas.microsoft.com/office/drawing/2014/main" id="{B9A0CBAA-6423-DED9-9B38-6B25E83E4F1E}"/>
               </a:ext>
             </a:extLst>
           </p:cNvPr>
@@ -2903,7 +2904,7 @@
             </a:lvl1pPr>
           </a:lstStyle>
           <a:p>
-            <a:fld id="{BEAAFD63-98B8-4A21-AC0B-6202FDD2335C}" type="datetimeFigureOut">
+            <a:fld id="{4EEA0DD3-BFE8-4A66-928D-8B4D323E378B}" type="datetimeFigureOut">
               <a:rPr lang="en-US" smtClean="0"/>
               <a:t>10/6/2025</a:t>
             </a:fld>
@@ -2916,7 +2917,7 @@
           <p:cNvPr id="5" name="Footer Placeholder 4">
             <a:extLst>
               <a:ext uri="{FF2B5EF4-FFF2-40B4-BE49-F238E27FC236}">
-                <a16:creationId xmlns:a16="http://schemas.microsoft.com/office/drawing/2014/main" id="{197A48EC-E8DF-0F4D-CE2F-A57BB614AE21}"/>
+                <a16:creationId xmlns:a16="http://schemas.microsoft.com/office/drawing/2014/main" id="{191226F7-B289-FAC4-734E-2DF1C393B107}"/>
               </a:ext>
             </a:extLst>
           </p:cNvPr>
@@ -2959,7 +2960,7 @@
           <p:cNvPr id="6" name="Slide Number Placeholder 5">
             <a:extLst>
               <a:ext uri="{FF2B5EF4-FFF2-40B4-BE49-F238E27FC236}">
-                <a16:creationId xmlns:a16="http://schemas.microsoft.com/office/drawing/2014/main" id="{C0D0CAE6-3612-2524-DBCF-FC7F99B73741}"/>
+                <a16:creationId xmlns:a16="http://schemas.microsoft.com/office/drawing/2014/main" id="{E8A9459E-CEC6-31D6-FA0D-968D9F388DB4}"/>
               </a:ext>
             </a:extLst>
           </p:cNvPr>
@@ -2993,7 +2994,7 @@
             </a:lvl1pPr>
           </a:lstStyle>
           <a:p>
-            <a:fld id="{CBC7C889-4C7F-4126-BC36-D932DBC812D2}" type="slidenum">
+            <a:fld id="{FC7BA01A-4CAB-4636-8214-5BE75C6BECE6}" type="slidenum">
               <a:rPr lang="en-US" smtClean="0"/>
               <a:t>‹#›</a:t>
             </a:fld>
@@ -3004,7 +3005,7 @@
     </p:spTree>
     <p:extLst>
       <p:ext uri="{BB962C8B-B14F-4D97-AF65-F5344CB8AC3E}">
-        <p14:creationId xmlns:p14="http://schemas.microsoft.com/office/powerpoint/2010/main" val="3218368190"/>
+        <p14:creationId xmlns:p14="http://schemas.microsoft.com/office/powerpoint/2010/main" val="56308434"/>
       </p:ext>
     </p:extLst>
   </p:cSld>
@@ -3327,7 +3328,7 @@
           <p:cNvPr id="2" name="Title 1">
             <a:extLst>
               <a:ext uri="{FF2B5EF4-FFF2-40B4-BE49-F238E27FC236}">
-                <a16:creationId xmlns:a16="http://schemas.microsoft.com/office/drawing/2014/main" id="{FC1969DB-2AE9-F1B7-F698-94D930F15366}"/>
+                <a16:creationId xmlns:a16="http://schemas.microsoft.com/office/drawing/2014/main" id="{2F71DC62-7478-1F97-5B3D-4E139555192C}"/>
               </a:ext>
             </a:extLst>
           </p:cNvPr>
@@ -3352,7 +3353,7 @@
           <p:cNvPr id="4" name="Text Placeholder 3">
             <a:extLst>
               <a:ext uri="{FF2B5EF4-FFF2-40B4-BE49-F238E27FC236}">
-                <a16:creationId xmlns:a16="http://schemas.microsoft.com/office/drawing/2014/main" id="{AFDD06BB-2F76-56CF-A5A1-B3DB66600263}"/>
+                <a16:creationId xmlns:a16="http://schemas.microsoft.com/office/drawing/2014/main" id="{8232F2F5-6514-55F2-0E7F-C6092AF9AF59}"/>
               </a:ext>
             </a:extLst>
           </p:cNvPr>
@@ -3377,7 +3378,7 @@
           <p:cNvPr id="6" name="Picture 5">
             <a:extLst>
               <a:ext uri="{FF2B5EF4-FFF2-40B4-BE49-F238E27FC236}">
-                <a16:creationId xmlns:a16="http://schemas.microsoft.com/office/drawing/2014/main" id="{41085CA3-E718-856B-9B4B-22144FB097FB}"/>
+                <a16:creationId xmlns:a16="http://schemas.microsoft.com/office/drawing/2014/main" id="{68D186A4-8690-0F65-7BCA-E978AE64F86E}"/>
               </a:ext>
             </a:extLst>
           </p:cNvPr>
@@ -3406,7 +3407,7 @@
     </p:spTree>
     <p:extLst>
       <p:ext uri="{BB962C8B-B14F-4D97-AF65-F5344CB8AC3E}">
-        <p14:creationId xmlns:p14="http://schemas.microsoft.com/office/powerpoint/2010/main" val="1501121212"/>
+        <p14:creationId xmlns:p14="http://schemas.microsoft.com/office/powerpoint/2010/main" val="3810271417"/>
       </p:ext>
     </p:extLst>
   </p:cSld>
@@ -3450,7 +3451,7 @@
           <p:cNvPr id="2" name="Title 1">
             <a:extLst>
               <a:ext uri="{FF2B5EF4-FFF2-40B4-BE49-F238E27FC236}">
-                <a16:creationId xmlns:a16="http://schemas.microsoft.com/office/drawing/2014/main" id="{7113B386-D140-A285-5050-CEC5D754E48D}"/>
+                <a16:creationId xmlns:a16="http://schemas.microsoft.com/office/drawing/2014/main" id="{1F9C4052-7AA6-01C9-948D-FA4528FEE315}"/>
               </a:ext>
             </a:extLst>
           </p:cNvPr>
@@ -3475,7 +3476,7 @@
           <p:cNvPr id="4" name="Text Placeholder 3">
             <a:extLst>
               <a:ext uri="{FF2B5EF4-FFF2-40B4-BE49-F238E27FC236}">
-                <a16:creationId xmlns:a16="http://schemas.microsoft.com/office/drawing/2014/main" id="{B213DFC1-3573-A87B-6DE2-F6C6CBBAE9C6}"/>
+                <a16:creationId xmlns:a16="http://schemas.microsoft.com/office/drawing/2014/main" id="{4453D380-5574-50EA-34B2-6F4B474F4B9A}"/>
               </a:ext>
             </a:extLst>
           </p:cNvPr>
@@ -3500,7 +3501,7 @@
           <p:cNvPr id="6" name="Picture 5">
             <a:extLst>
               <a:ext uri="{FF2B5EF4-FFF2-40B4-BE49-F238E27FC236}">
-                <a16:creationId xmlns:a16="http://schemas.microsoft.com/office/drawing/2014/main" id="{0A7E9B1E-D292-CAF0-1B8E-E16B931D7F68}"/>
+                <a16:creationId xmlns:a16="http://schemas.microsoft.com/office/drawing/2014/main" id="{F33D7ED4-63CA-91D5-A8A4-96BC5612A214}"/>
               </a:ext>
             </a:extLst>
           </p:cNvPr>
@@ -3529,7 +3530,130 @@
     </p:spTree>
     <p:extLst>
       <p:ext uri="{BB962C8B-B14F-4D97-AF65-F5344CB8AC3E}">
-        <p14:creationId xmlns:p14="http://schemas.microsoft.com/office/powerpoint/2010/main" val="181666432"/>
+        <p14:creationId xmlns:p14="http://schemas.microsoft.com/office/powerpoint/2010/main" val="194357977"/>
+      </p:ext>
+    </p:extLst>
+  </p:cSld>
+  <p:clrMapOvr>
+    <a:masterClrMapping/>
+  </p:clrMapOvr>
+  <mc:AlternateContent xmlns:mc="http://schemas.openxmlformats.org/markup-compatibility/2006">
+    <mc:Choice xmlns:p159="http://schemas.microsoft.com/office/powerpoint/2015/09/main" Requires="p159">
+      <p:transition xmlns:p14="http://schemas.microsoft.com/office/powerpoint/2010/main" spd="slow" p14:dur="2000">
+        <p159:morph option="byObject"/>
+      </p:transition>
+    </mc:Choice>
+    <mc:Fallback>
+      <p:transition spd="slow">
+        <p:fade/>
+      </p:transition>
+    </mc:Fallback>
+  </mc:AlternateContent>
+</p:sld>
+</file>
+
+<file path=ppt/slides/slide3.xml><?xml version="1.0" encoding="utf-8"?>
+<p:sld xmlns:a="http://schemas.openxmlformats.org/drawingml/2006/main" xmlns:r="http://schemas.openxmlformats.org/officeDocument/2006/relationships" xmlns:p="http://schemas.openxmlformats.org/presentationml/2006/main">
+  <p:cSld>
+    <p:spTree>
+      <p:nvGrpSpPr>
+        <p:cNvPr id="1" name=""/>
+        <p:cNvGrpSpPr/>
+        <p:nvPr/>
+      </p:nvGrpSpPr>
+      <p:grpSpPr>
+        <a:xfrm>
+          <a:off x="0" y="0"/>
+          <a:ext cx="0" cy="0"/>
+          <a:chOff x="0" y="0"/>
+          <a:chExt cx="0" cy="0"/>
+        </a:xfrm>
+      </p:grpSpPr>
+      <p:sp>
+        <p:nvSpPr>
+          <p:cNvPr id="2" name="Title 1">
+            <a:extLst>
+              <a:ext uri="{FF2B5EF4-FFF2-40B4-BE49-F238E27FC236}">
+                <a16:creationId xmlns:a16="http://schemas.microsoft.com/office/drawing/2014/main" id="{9E32F5B0-A925-B4B0-7456-D9A41933DCD4}"/>
+              </a:ext>
+            </a:extLst>
+          </p:cNvPr>
+          <p:cNvSpPr>
+            <a:spLocks noGrp="1"/>
+          </p:cNvSpPr>
+          <p:nvPr>
+            <p:ph type="title"/>
+          </p:nvPr>
+        </p:nvSpPr>
+        <p:spPr/>
+        <p:txBody>
+          <a:bodyPr/>
+          <a:lstStyle/>
+          <a:p>
+            <a:endParaRPr lang="en-US"/>
+          </a:p>
+        </p:txBody>
+      </p:sp>
+      <p:sp>
+        <p:nvSpPr>
+          <p:cNvPr id="4" name="Text Placeholder 3">
+            <a:extLst>
+              <a:ext uri="{FF2B5EF4-FFF2-40B4-BE49-F238E27FC236}">
+                <a16:creationId xmlns:a16="http://schemas.microsoft.com/office/drawing/2014/main" id="{4BF7E05B-0930-D374-E0F7-9B1822D3603F}"/>
+              </a:ext>
+            </a:extLst>
+          </p:cNvPr>
+          <p:cNvSpPr>
+            <a:spLocks noGrp="1"/>
+          </p:cNvSpPr>
+          <p:nvPr>
+            <p:ph type="body" sz="half" idx="2"/>
+          </p:nvPr>
+        </p:nvSpPr>
+        <p:spPr/>
+        <p:txBody>
+          <a:bodyPr/>
+          <a:lstStyle/>
+          <a:p>
+            <a:endParaRPr lang="en-US"/>
+          </a:p>
+        </p:txBody>
+      </p:sp>
+      <p:pic>
+        <p:nvPicPr>
+          <p:cNvPr id="6" name="Picture 5">
+            <a:extLst>
+              <a:ext uri="{FF2B5EF4-FFF2-40B4-BE49-F238E27FC236}">
+                <a16:creationId xmlns:a16="http://schemas.microsoft.com/office/drawing/2014/main" id="{A50ACD3E-DA6A-FF52-BB1B-FA617D4BE637}"/>
+              </a:ext>
+            </a:extLst>
+          </p:cNvPr>
+          <p:cNvPicPr>
+            <a:picLocks/>
+          </p:cNvPicPr>
+          <p:nvPr/>
+        </p:nvPicPr>
+        <p:blipFill>
+          <a:blip r:embed="rId2"/>
+          <a:srcRect l="507" t="1347" r="975" b="1769"/>
+          <a:stretch>
+            <a:fillRect/>
+          </a:stretch>
+        </p:blipFill>
+        <p:spPr>
+          <a:xfrm>
+            <a:off x="5183188" y="1825787"/>
+            <a:ext cx="6172200" cy="3206427"/>
+          </a:xfrm>
+          <a:prstGeom prst="rect">
+            <a:avLst/>
+          </a:prstGeom>
+        </p:spPr>
+      </p:pic>
+    </p:spTree>
+    <p:extLst>
+      <p:ext uri="{BB962C8B-B14F-4D97-AF65-F5344CB8AC3E}">
+        <p14:creationId xmlns:p14="http://schemas.microsoft.com/office/powerpoint/2010/main" val="841877856"/>
       </p:ext>
     </p:extLst>
   </p:cSld>
